--- a/Course/1st_week/AI_overall_curriculum.pptx
+++ b/Course/1st_week/AI_overall_curriculum.pptx
@@ -204,7 +204,7 @@
           <a:p>
             <a:fld id="{F60E00F0-0759-9E44-B9C0-4113D9DC6808}" type="datetimeFigureOut">
               <a:rPr kumimoji="1" lang="ko-Kore-KR" altLang="en-US" smtClean="0"/>
-              <a:t>8/25/24</a:t>
+              <a:t>8/27/24</a:t>
             </a:fld>
             <a:endParaRPr kumimoji="1" lang="ko-Kore-KR" altLang="en-US"/>
           </a:p>
@@ -516,8 +516,11 @@
           <a:bodyPr/>
           <a:lstStyle/>
           <a:p>
-            <a:pPr algn="l"/>
-            <a:endParaRPr kumimoji="1" lang="ko-Kore-KR" altLang="en-US" dirty="0"/>
+            <a:pPr marL="171450" indent="-171450" algn="l">
+              <a:buFontTx/>
+              <a:buChar char="-"/>
+            </a:pPr>
+            <a:endParaRPr kumimoji="1" lang="en-US" altLang="ko-KR" dirty="0"/>
           </a:p>
         </p:txBody>
       </p:sp>
@@ -1198,7 +1201,7 @@
           <a:p>
             <a:fld id="{E7FFFA9E-A9F4-4F4B-B912-19E522EABA4A}" type="datetime1">
               <a:rPr kumimoji="1" lang="ko-KR" altLang="en-US" smtClean="0"/>
-              <a:t>2024. 8. 25.</a:t>
+              <a:t>2024. 8. 27.</a:t>
             </a:fld>
             <a:endParaRPr kumimoji="1" lang="ko-Kore-KR" altLang="en-US"/>
           </a:p>
@@ -1368,7 +1371,7 @@
           <a:p>
             <a:fld id="{2C5E803C-B474-7A4D-8EE3-9263051F1E05}" type="datetime1">
               <a:rPr kumimoji="1" lang="ko-KR" altLang="en-US" smtClean="0"/>
-              <a:t>2024. 8. 25.</a:t>
+              <a:t>2024. 8. 27.</a:t>
             </a:fld>
             <a:endParaRPr kumimoji="1" lang="ko-Kore-KR" altLang="en-US"/>
           </a:p>
@@ -1548,7 +1551,7 @@
           <a:p>
             <a:fld id="{A2BA38A3-DE05-7D40-9007-E71426C464AC}" type="datetime1">
               <a:rPr kumimoji="1" lang="ko-KR" altLang="en-US" smtClean="0"/>
-              <a:t>2024. 8. 25.</a:t>
+              <a:t>2024. 8. 27.</a:t>
             </a:fld>
             <a:endParaRPr kumimoji="1" lang="ko-Kore-KR" altLang="en-US"/>
           </a:p>
@@ -1718,7 +1721,7 @@
           <a:p>
             <a:fld id="{98DBDE45-40F9-3F4F-9D07-67C5A5B8BA79}" type="datetime1">
               <a:rPr kumimoji="1" lang="ko-KR" altLang="en-US" smtClean="0"/>
-              <a:t>2024. 8. 25.</a:t>
+              <a:t>2024. 8. 27.</a:t>
             </a:fld>
             <a:endParaRPr kumimoji="1" lang="ko-Kore-KR" altLang="en-US"/>
           </a:p>
@@ -1962,7 +1965,7 @@
           <a:p>
             <a:fld id="{8D3BB1A7-755F-344B-B7D4-5E6E1092D021}" type="datetime1">
               <a:rPr kumimoji="1" lang="ko-KR" altLang="en-US" smtClean="0"/>
-              <a:t>2024. 8. 25.</a:t>
+              <a:t>2024. 8. 27.</a:t>
             </a:fld>
             <a:endParaRPr kumimoji="1" lang="ko-Kore-KR" altLang="en-US"/>
           </a:p>
@@ -2194,7 +2197,7 @@
           <a:p>
             <a:fld id="{FA0DF2FE-F5AA-9C43-8F8D-6BF9975292E6}" type="datetime1">
               <a:rPr kumimoji="1" lang="ko-KR" altLang="en-US" smtClean="0"/>
-              <a:t>2024. 8. 25.</a:t>
+              <a:t>2024. 8. 27.</a:t>
             </a:fld>
             <a:endParaRPr kumimoji="1" lang="ko-Kore-KR" altLang="en-US"/>
           </a:p>
@@ -2561,7 +2564,7 @@
           <a:p>
             <a:fld id="{798332FD-46D9-624C-8EEF-B6AA9BB5C46A}" type="datetime1">
               <a:rPr kumimoji="1" lang="ko-KR" altLang="en-US" smtClean="0"/>
-              <a:t>2024. 8. 25.</a:t>
+              <a:t>2024. 8. 27.</a:t>
             </a:fld>
             <a:endParaRPr kumimoji="1" lang="ko-Kore-KR" altLang="en-US"/>
           </a:p>
@@ -2679,7 +2682,7 @@
           <a:p>
             <a:fld id="{16A0DFC7-A409-214C-8645-DE8C8BA94952}" type="datetime1">
               <a:rPr kumimoji="1" lang="ko-KR" altLang="en-US" smtClean="0"/>
-              <a:t>2024. 8. 25.</a:t>
+              <a:t>2024. 8. 27.</a:t>
             </a:fld>
             <a:endParaRPr kumimoji="1" lang="ko-Kore-KR" altLang="en-US"/>
           </a:p>
@@ -2774,7 +2777,7 @@
           <a:p>
             <a:fld id="{A43C146A-016C-2E4C-B68F-756E750DFBEF}" type="datetime1">
               <a:rPr kumimoji="1" lang="ko-KR" altLang="en-US" smtClean="0"/>
-              <a:t>2024. 8. 25.</a:t>
+              <a:t>2024. 8. 27.</a:t>
             </a:fld>
             <a:endParaRPr kumimoji="1" lang="ko-Kore-KR" altLang="en-US"/>
           </a:p>
@@ -3051,7 +3054,7 @@
           <a:p>
             <a:fld id="{A27E9973-DD78-2842-B1E5-DA0C873E4E97}" type="datetime1">
               <a:rPr kumimoji="1" lang="ko-KR" altLang="en-US" smtClean="0"/>
-              <a:t>2024. 8. 25.</a:t>
+              <a:t>2024. 8. 27.</a:t>
             </a:fld>
             <a:endParaRPr kumimoji="1" lang="ko-Kore-KR" altLang="en-US"/>
           </a:p>
@@ -3308,7 +3311,7 @@
           <a:p>
             <a:fld id="{37981406-92B8-084D-91C6-3EFD4980BA1F}" type="datetime1">
               <a:rPr kumimoji="1" lang="ko-KR" altLang="en-US" smtClean="0"/>
-              <a:t>2024. 8. 25.</a:t>
+              <a:t>2024. 8. 27.</a:t>
             </a:fld>
             <a:endParaRPr kumimoji="1" lang="ko-Kore-KR" altLang="en-US"/>
           </a:p>
@@ -3521,7 +3524,7 @@
           <a:p>
             <a:fld id="{52B8C7FA-4369-F941-8C6C-FD1B5F264A1D}" type="datetime1">
               <a:rPr kumimoji="1" lang="ko-KR" altLang="en-US" smtClean="0"/>
-              <a:t>2024. 8. 25.</a:t>
+              <a:t>2024. 8. 27.</a:t>
             </a:fld>
             <a:endParaRPr kumimoji="1" lang="ko-Kore-KR" altLang="en-US"/>
           </a:p>
